--- a/NLP Lab1 Basic Text Processing/Lab 1 Basic Text Processing.pptx
+++ b/NLP Lab1 Basic Text Processing/Lab 1 Basic Text Processing.pptx
@@ -1433,7 +1433,7 @@
             </a:r>
             <a:r>
               <a:rPr lang="en-US" dirty="0" err="1"/>
-              <a:t>dotall</a:t>
+              <a:t>dolalr</a:t>
             </a:r>
             <a:r>
               <a:rPr lang="en-US" dirty="0"/>
@@ -3779,7 +3779,7 @@
         </p:nvSpPr>
         <p:spPr>
           <a:xfrm>
-            <a:off x="381300" y="685800"/>
+            <a:off x="381000" y="685800"/>
             <a:ext cx="6096000" cy="3429000"/>
           </a:xfrm>
           <a:custGeom>
@@ -14034,8 +14034,8 @@
           </a:ln>
         </p:spPr>
       </p:pic>
-      <mc:AlternateContent xmlns:mc="http://schemas.openxmlformats.org/markup-compatibility/2006">
-        <mc:Choice xmlns:p14="http://schemas.microsoft.com/office/powerpoint/2010/main" Requires="p14">
+      <mc:AlternateContent xmlns:mc="http://schemas.openxmlformats.org/markup-compatibility/2006" xmlns:p14="http://schemas.microsoft.com/office/powerpoint/2010/main">
+        <mc:Choice Requires="p14">
           <p:contentPart p14:bwMode="auto" r:id="rId4">
             <p14:nvContentPartPr>
               <p14:cNvPr id="5" name="Ink 4">
@@ -14054,7 +14054,7 @@
             </p14:xfrm>
           </p:contentPart>
         </mc:Choice>
-        <mc:Fallback>
+        <mc:Fallback xmlns="">
           <p:pic>
             <p:nvPicPr>
               <p:cNvPr id="5" name="Ink 4">
@@ -14085,8 +14085,8 @@
           </p:pic>
         </mc:Fallback>
       </mc:AlternateContent>
-      <mc:AlternateContent xmlns:mc="http://schemas.openxmlformats.org/markup-compatibility/2006">
-        <mc:Choice xmlns:p14="http://schemas.microsoft.com/office/powerpoint/2010/main" Requires="p14">
+      <mc:AlternateContent xmlns:mc="http://schemas.openxmlformats.org/markup-compatibility/2006" xmlns:p14="http://schemas.microsoft.com/office/powerpoint/2010/main">
+        <mc:Choice Requires="p14">
           <p:contentPart p14:bwMode="auto" r:id="rId6">
             <p14:nvContentPartPr>
               <p14:cNvPr id="7" name="Ink 6">
@@ -14105,7 +14105,7 @@
             </p14:xfrm>
           </p:contentPart>
         </mc:Choice>
-        <mc:Fallback>
+        <mc:Fallback xmlns="">
           <p:pic>
             <p:nvPicPr>
               <p:cNvPr id="7" name="Ink 6">
@@ -14554,10 +14554,10 @@
               <a:buNone/>
             </a:pPr>
             <a:r>
-              <a:rPr lang="en"/>
+              <a:rPr lang="en" dirty="0"/>
               <a:t>Tokenization is the task of cutting a string into identifiable linguistic units that constitute a piece of language data.</a:t>
             </a:r>
-            <a:endParaRPr/>
+            <a:endParaRPr dirty="0"/>
           </a:p>
           <a:p>
             <a:pPr marL="0" lvl="0" indent="0" algn="l" rtl="0">
@@ -14574,10 +14574,10 @@
               <a:buNone/>
             </a:pPr>
             <a:r>
-              <a:rPr lang="en"/>
+              <a:rPr lang="en" dirty="0"/>
               <a:t>The simplest approach is to split text on white space</a:t>
             </a:r>
-            <a:endParaRPr/>
+            <a:endParaRPr dirty="0"/>
           </a:p>
           <a:p>
             <a:pPr marL="0" lvl="0" indent="457200" algn="l" rtl="0">
@@ -14594,10 +14594,10 @@
               <a:buNone/>
             </a:pPr>
             <a:r>
-              <a:rPr lang="en"/>
+              <a:rPr lang="en" dirty="0"/>
               <a:t>&gt;&gt;&gt; re.split(r' ', raw)</a:t>
             </a:r>
-            <a:endParaRPr/>
+            <a:endParaRPr dirty="0"/>
           </a:p>
           <a:p>
             <a:pPr marL="0" lvl="0" indent="0" algn="l" rtl="0">
@@ -14614,10 +14614,10 @@
               <a:buNone/>
             </a:pPr>
             <a:r>
-              <a:rPr lang="en"/>
+              <a:rPr lang="en" dirty="0"/>
               <a:t>What about tabs and newlines?  What about double, triple white spaces?</a:t>
             </a:r>
-            <a:endParaRPr/>
+            <a:endParaRPr dirty="0"/>
           </a:p>
           <a:p>
             <a:pPr marL="0" lvl="0" indent="457200" algn="l" rtl="0">
@@ -14634,10 +14634,10 @@
               <a:buNone/>
             </a:pPr>
             <a:r>
-              <a:rPr lang="en"/>
+              <a:rPr lang="en" dirty="0"/>
               <a:t>&gt;&gt;&gt; re.split(r'[ \t\n]+', raw)</a:t>
             </a:r>
-            <a:endParaRPr/>
+            <a:endParaRPr dirty="0"/>
           </a:p>
           <a:p>
             <a:pPr marL="0" lvl="0" indent="0" algn="l" rtl="0">
@@ -14654,10 +14654,10 @@
               <a:buNone/>
             </a:pPr>
             <a:r>
-              <a:rPr lang="en"/>
+              <a:rPr lang="en" dirty="0"/>
               <a:t>Or</a:t>
             </a:r>
-            <a:endParaRPr/>
+            <a:endParaRPr dirty="0"/>
           </a:p>
           <a:p>
             <a:pPr marL="0" lvl="0" indent="457200" algn="l" rtl="0">
@@ -14674,10 +14674,10 @@
               <a:buNone/>
             </a:pPr>
             <a:r>
-              <a:rPr lang="en"/>
+              <a:rPr lang="en" dirty="0"/>
               <a:t>&gt;&gt;&gt; re.split(r'\s+', raw)</a:t>
             </a:r>
-            <a:endParaRPr/>
+            <a:endParaRPr dirty="0"/>
           </a:p>
         </p:txBody>
       </p:sp>
@@ -16622,10 +16622,10 @@
               <a:buNone/>
             </a:pPr>
             <a:r>
-              <a:rPr lang="en"/>
+              <a:rPr lang="en" dirty="0"/>
               <a:t>How to match a backslash character? </a:t>
             </a:r>
-            <a:endParaRPr/>
+            <a:endParaRPr dirty="0"/>
           </a:p>
           <a:p>
             <a:pPr marL="0" lvl="0" indent="0" algn="l" rtl="0">
@@ -16642,11 +16642,11 @@
               <a:buNone/>
             </a:pPr>
             <a:r>
-              <a:rPr lang="en"/>
+              <a:rPr lang="en" dirty="0"/>
               <a:t>In regular expressions all backslashes and metacharacters must be escaped with a backslash so the regular expression that matches a </a:t>
             </a:r>
             <a:r>
-              <a:rPr lang="en">
+              <a:rPr lang="en" dirty="0">
                 <a:solidFill>
                   <a:srgbClr val="FF0000"/>
                 </a:solidFill>
@@ -16654,18 +16654,18 @@
               <a:t>\</a:t>
             </a:r>
             <a:r>
-              <a:rPr lang="en"/>
+              <a:rPr lang="en" dirty="0"/>
               <a:t> is </a:t>
             </a:r>
             <a:r>
-              <a:rPr lang="en">
+              <a:rPr lang="en" dirty="0">
                 <a:solidFill>
                   <a:srgbClr val="FF0000"/>
                 </a:solidFill>
               </a:rPr>
               <a:t>\\</a:t>
             </a:r>
-            <a:endParaRPr/>
+            <a:endParaRPr dirty="0"/>
           </a:p>
           <a:p>
             <a:pPr marL="0" lvl="0" indent="0" algn="l" rtl="0">
@@ -16682,11 +16682,11 @@
               <a:buNone/>
             </a:pPr>
             <a:r>
-              <a:rPr lang="en"/>
+              <a:rPr lang="en" dirty="0"/>
               <a:t>To pass that in a regular python string object each backslash needs to be escaped also by backslashes so we need to pass </a:t>
             </a:r>
             <a:r>
-              <a:rPr lang="en">
+              <a:rPr lang="en" dirty="0">
                 <a:solidFill>
                   <a:srgbClr val="FF0000"/>
                 </a:solidFill>
@@ -16694,10 +16694,10 @@
               <a:t>“\\\\”</a:t>
             </a:r>
             <a:r>
-              <a:rPr lang="en"/>
+              <a:rPr lang="en" dirty="0"/>
               <a:t> to match only one backslash.</a:t>
             </a:r>
-            <a:endParaRPr/>
+            <a:endParaRPr dirty="0"/>
           </a:p>
           <a:p>
             <a:pPr marL="0" lvl="0" indent="0" algn="l" rtl="0">
@@ -16714,11 +16714,11 @@
               <a:buNone/>
             </a:pPr>
             <a:r>
-              <a:rPr lang="en"/>
+              <a:rPr lang="en" dirty="0"/>
               <a:t>To solve this problem, we can use python raw string notation for regular expressions where the backslashes are not handled in special way. Python raw string are prefixed with r → </a:t>
             </a:r>
             <a:r>
-              <a:rPr lang="en">
+              <a:rPr lang="en" dirty="0">
                 <a:solidFill>
                   <a:srgbClr val="FF0000"/>
                 </a:solidFill>
@@ -16726,10 +16726,10 @@
               <a:t>r”\”</a:t>
             </a:r>
             <a:r>
-              <a:rPr lang="en"/>
+              <a:rPr lang="en" dirty="0"/>
               <a:t> matches just single backslash</a:t>
             </a:r>
-            <a:endParaRPr/>
+            <a:endParaRPr dirty="0"/>
           </a:p>
           <a:p>
             <a:pPr marL="0" lvl="0" indent="0" algn="l" rtl="0">
@@ -16745,7 +16745,7 @@
               <a:buSzPts val="1600"/>
               <a:buNone/>
             </a:pPr>
-            <a:endParaRPr/>
+            <a:endParaRPr dirty="0"/>
           </a:p>
         </p:txBody>
       </p:sp>
@@ -17425,10 +17425,10 @@
               <a:buNone/>
             </a:pPr>
             <a:r>
-              <a:rPr lang="en"/>
-              <a:t>findall() returns a list of all matched strings</a:t>
+              <a:rPr lang="en" dirty="0"/>
+              <a:t>findall() returns a list of all matched captured groups</a:t>
             </a:r>
-            <a:endParaRPr/>
+            <a:endParaRPr dirty="0"/>
           </a:p>
           <a:p>
             <a:pPr marL="0" lvl="0" indent="0" algn="l" rtl="0">
@@ -17444,7 +17444,7 @@
               <a:buSzPts val="1600"/>
               <a:buNone/>
             </a:pPr>
-            <a:endParaRPr/>
+            <a:endParaRPr dirty="0"/>
           </a:p>
           <a:p>
             <a:pPr marL="0" lvl="0" indent="0" algn="l" rtl="0">
@@ -17460,7 +17460,7 @@
               <a:buSzPts val="1600"/>
               <a:buNone/>
             </a:pPr>
-            <a:endParaRPr/>
+            <a:endParaRPr dirty="0"/>
           </a:p>
           <a:p>
             <a:pPr marL="0" lvl="0" indent="0" algn="l" rtl="0">
@@ -17476,7 +17476,7 @@
               <a:buSzPts val="1600"/>
               <a:buNone/>
             </a:pPr>
-            <a:endParaRPr/>
+            <a:endParaRPr dirty="0"/>
           </a:p>
           <a:p>
             <a:pPr marL="0" lvl="0" indent="0" algn="l" rtl="0">
@@ -17492,7 +17492,7 @@
               <a:buSzPts val="1600"/>
               <a:buNone/>
             </a:pPr>
-            <a:endParaRPr/>
+            <a:endParaRPr dirty="0"/>
           </a:p>
         </p:txBody>
       </p:sp>
